--- a/Princip fungvání internetu.pptx
+++ b/Princip fungvání internetu.pptx
@@ -12,10 +12,12 @@
     <p:sldId id="260" r:id="rId6"/>
     <p:sldId id="261" r:id="rId7"/>
     <p:sldId id="262" r:id="rId8"/>
-    <p:sldId id="263" r:id="rId9"/>
-    <p:sldId id="264" r:id="rId10"/>
-    <p:sldId id="265" r:id="rId11"/>
-    <p:sldId id="266" r:id="rId12"/>
+    <p:sldId id="268" r:id="rId9"/>
+    <p:sldId id="263" r:id="rId10"/>
+    <p:sldId id="264" r:id="rId11"/>
+    <p:sldId id="267" r:id="rId12"/>
+    <p:sldId id="265" r:id="rId13"/>
+    <p:sldId id="266" r:id="rId14"/>
   </p:sldIdLst>
   <p:sldSz cx="12192000" cy="6858000"/>
   <p:notesSz cx="6858000" cy="9144000"/>
@@ -116,7 +118,7 @@
   </p:defaultTextStyle>
   <p:extLst>
     <p:ext uri="{EFAFB233-063F-42B5-8137-9DF3F51BA10A}">
-      <p15:sldGuideLst xmlns:p15="http://schemas.microsoft.com/office/powerpoint/2012/main"/>
+      <p15:sldGuideLst xmlns:p15="http://schemas.microsoft.com/office/powerpoint/2012/main" xmlns=""/>
     </p:ext>
   </p:extLst>
 </p:presentation>
@@ -259,7 +261,8 @@
           <a:p>
             <a:fld id="{0489F5A0-7E5A-4816-ABAF-5C599C942FCB}" type="datetimeFigureOut">
               <a:rPr lang="cs-CZ" smtClean="0"/>
-              <a:t>02.02.2017</a:t>
+              <a:pPr/>
+              <a:t>2.2.2017</a:t>
             </a:fld>
             <a:endParaRPr lang="cs-CZ"/>
           </a:p>
@@ -309,6 +312,7 @@
           <a:p>
             <a:fld id="{02F93A7A-F6F0-46C1-9B69-E564BFA29D82}" type="slidenum">
               <a:rPr lang="cs-CZ" smtClean="0"/>
+              <a:pPr/>
               <a:t>‹#›</a:t>
             </a:fld>
             <a:endParaRPr lang="cs-CZ"/>
@@ -318,7 +322,7 @@
     </p:spTree>
     <p:extLst>
       <p:ext uri="{BB962C8B-B14F-4D97-AF65-F5344CB8AC3E}">
-        <p14:creationId xmlns:p14="http://schemas.microsoft.com/office/powerpoint/2010/main" val="147116482"/>
+        <p14:creationId xmlns:p14="http://schemas.microsoft.com/office/powerpoint/2010/main" xmlns="" val="147116482"/>
       </p:ext>
     </p:extLst>
   </p:cSld>
@@ -443,7 +447,8 @@
           <a:p>
             <a:fld id="{0489F5A0-7E5A-4816-ABAF-5C599C942FCB}" type="datetimeFigureOut">
               <a:rPr lang="cs-CZ" smtClean="0"/>
-              <a:t>02.02.2017</a:t>
+              <a:pPr/>
+              <a:t>2.2.2017</a:t>
             </a:fld>
             <a:endParaRPr lang="cs-CZ"/>
           </a:p>
@@ -493,6 +498,7 @@
           <a:p>
             <a:fld id="{02F93A7A-F6F0-46C1-9B69-E564BFA29D82}" type="slidenum">
               <a:rPr lang="cs-CZ" smtClean="0"/>
+              <a:pPr/>
               <a:t>‹#›</a:t>
             </a:fld>
             <a:endParaRPr lang="cs-CZ"/>
@@ -502,7 +508,7 @@
     </p:spTree>
     <p:extLst>
       <p:ext uri="{BB962C8B-B14F-4D97-AF65-F5344CB8AC3E}">
-        <p14:creationId xmlns:p14="http://schemas.microsoft.com/office/powerpoint/2010/main" val="1738048772"/>
+        <p14:creationId xmlns:p14="http://schemas.microsoft.com/office/powerpoint/2010/main" xmlns="" val="1738048772"/>
       </p:ext>
     </p:extLst>
   </p:cSld>
@@ -637,7 +643,8 @@
           <a:p>
             <a:fld id="{0489F5A0-7E5A-4816-ABAF-5C599C942FCB}" type="datetimeFigureOut">
               <a:rPr lang="cs-CZ" smtClean="0"/>
-              <a:t>02.02.2017</a:t>
+              <a:pPr/>
+              <a:t>2.2.2017</a:t>
             </a:fld>
             <a:endParaRPr lang="cs-CZ"/>
           </a:p>
@@ -687,6 +694,7 @@
           <a:p>
             <a:fld id="{02F93A7A-F6F0-46C1-9B69-E564BFA29D82}" type="slidenum">
               <a:rPr lang="cs-CZ" smtClean="0"/>
+              <a:pPr/>
               <a:t>‹#›</a:t>
             </a:fld>
             <a:endParaRPr lang="cs-CZ"/>
@@ -696,7 +704,7 @@
     </p:spTree>
     <p:extLst>
       <p:ext uri="{BB962C8B-B14F-4D97-AF65-F5344CB8AC3E}">
-        <p14:creationId xmlns:p14="http://schemas.microsoft.com/office/powerpoint/2010/main" val="3758455094"/>
+        <p14:creationId xmlns:p14="http://schemas.microsoft.com/office/powerpoint/2010/main" xmlns="" val="3758455094"/>
       </p:ext>
     </p:extLst>
   </p:cSld>
@@ -821,7 +829,8 @@
           <a:p>
             <a:fld id="{0489F5A0-7E5A-4816-ABAF-5C599C942FCB}" type="datetimeFigureOut">
               <a:rPr lang="cs-CZ" smtClean="0"/>
-              <a:t>02.02.2017</a:t>
+              <a:pPr/>
+              <a:t>2.2.2017</a:t>
             </a:fld>
             <a:endParaRPr lang="cs-CZ"/>
           </a:p>
@@ -871,6 +880,7 @@
           <a:p>
             <a:fld id="{02F93A7A-F6F0-46C1-9B69-E564BFA29D82}" type="slidenum">
               <a:rPr lang="cs-CZ" smtClean="0"/>
+              <a:pPr/>
               <a:t>‹#›</a:t>
             </a:fld>
             <a:endParaRPr lang="cs-CZ"/>
@@ -880,7 +890,7 @@
     </p:spTree>
     <p:extLst>
       <p:ext uri="{BB962C8B-B14F-4D97-AF65-F5344CB8AC3E}">
-        <p14:creationId xmlns:p14="http://schemas.microsoft.com/office/powerpoint/2010/main" val="18240243"/>
+        <p14:creationId xmlns:p14="http://schemas.microsoft.com/office/powerpoint/2010/main" xmlns="" val="18240243"/>
       </p:ext>
     </p:extLst>
   </p:cSld>
@@ -1082,7 +1092,8 @@
           <a:p>
             <a:fld id="{0489F5A0-7E5A-4816-ABAF-5C599C942FCB}" type="datetimeFigureOut">
               <a:rPr lang="cs-CZ" smtClean="0"/>
-              <a:t>02.02.2017</a:t>
+              <a:pPr/>
+              <a:t>2.2.2017</a:t>
             </a:fld>
             <a:endParaRPr lang="cs-CZ"/>
           </a:p>
@@ -1132,6 +1143,7 @@
           <a:p>
             <a:fld id="{02F93A7A-F6F0-46C1-9B69-E564BFA29D82}" type="slidenum">
               <a:rPr lang="cs-CZ" smtClean="0"/>
+              <a:pPr/>
               <a:t>‹#›</a:t>
             </a:fld>
             <a:endParaRPr lang="cs-CZ"/>
@@ -1141,7 +1153,7 @@
     </p:spTree>
     <p:extLst>
       <p:ext uri="{BB962C8B-B14F-4D97-AF65-F5344CB8AC3E}">
-        <p14:creationId xmlns:p14="http://schemas.microsoft.com/office/powerpoint/2010/main" val="418506680"/>
+        <p14:creationId xmlns:p14="http://schemas.microsoft.com/office/powerpoint/2010/main" xmlns="" val="418506680"/>
       </p:ext>
     </p:extLst>
   </p:cSld>
@@ -1327,7 +1339,8 @@
           <a:p>
             <a:fld id="{0489F5A0-7E5A-4816-ABAF-5C599C942FCB}" type="datetimeFigureOut">
               <a:rPr lang="cs-CZ" smtClean="0"/>
-              <a:t>02.02.2017</a:t>
+              <a:pPr/>
+              <a:t>2.2.2017</a:t>
             </a:fld>
             <a:endParaRPr lang="cs-CZ"/>
           </a:p>
@@ -1377,6 +1390,7 @@
           <a:p>
             <a:fld id="{02F93A7A-F6F0-46C1-9B69-E564BFA29D82}" type="slidenum">
               <a:rPr lang="cs-CZ" smtClean="0"/>
+              <a:pPr/>
               <a:t>‹#›</a:t>
             </a:fld>
             <a:endParaRPr lang="cs-CZ"/>
@@ -1386,7 +1400,7 @@
     </p:spTree>
     <p:extLst>
       <p:ext uri="{BB962C8B-B14F-4D97-AF65-F5344CB8AC3E}">
-        <p14:creationId xmlns:p14="http://schemas.microsoft.com/office/powerpoint/2010/main" val="1850308056"/>
+        <p14:creationId xmlns:p14="http://schemas.microsoft.com/office/powerpoint/2010/main" xmlns="" val="1850308056"/>
       </p:ext>
     </p:extLst>
   </p:cSld>
@@ -1707,7 +1721,8 @@
           <a:p>
             <a:fld id="{0489F5A0-7E5A-4816-ABAF-5C599C942FCB}" type="datetimeFigureOut">
               <a:rPr lang="cs-CZ" smtClean="0"/>
-              <a:t>02.02.2017</a:t>
+              <a:pPr/>
+              <a:t>2.2.2017</a:t>
             </a:fld>
             <a:endParaRPr lang="cs-CZ"/>
           </a:p>
@@ -1757,6 +1772,7 @@
           <a:p>
             <a:fld id="{02F93A7A-F6F0-46C1-9B69-E564BFA29D82}" type="slidenum">
               <a:rPr lang="cs-CZ" smtClean="0"/>
+              <a:pPr/>
               <a:t>‹#›</a:t>
             </a:fld>
             <a:endParaRPr lang="cs-CZ"/>
@@ -1766,7 +1782,7 @@
     </p:spTree>
     <p:extLst>
       <p:ext uri="{BB962C8B-B14F-4D97-AF65-F5344CB8AC3E}">
-        <p14:creationId xmlns:p14="http://schemas.microsoft.com/office/powerpoint/2010/main" val="2653029922"/>
+        <p14:creationId xmlns:p14="http://schemas.microsoft.com/office/powerpoint/2010/main" xmlns="" val="2653029922"/>
       </p:ext>
     </p:extLst>
   </p:cSld>
@@ -1840,7 +1856,8 @@
           <a:p>
             <a:fld id="{0489F5A0-7E5A-4816-ABAF-5C599C942FCB}" type="datetimeFigureOut">
               <a:rPr lang="cs-CZ" smtClean="0"/>
-              <a:t>02.02.2017</a:t>
+              <a:pPr/>
+              <a:t>2.2.2017</a:t>
             </a:fld>
             <a:endParaRPr lang="cs-CZ"/>
           </a:p>
@@ -1890,6 +1907,7 @@
           <a:p>
             <a:fld id="{02F93A7A-F6F0-46C1-9B69-E564BFA29D82}" type="slidenum">
               <a:rPr lang="cs-CZ" smtClean="0"/>
+              <a:pPr/>
               <a:t>‹#›</a:t>
             </a:fld>
             <a:endParaRPr lang="cs-CZ"/>
@@ -1899,7 +1917,7 @@
     </p:spTree>
     <p:extLst>
       <p:ext uri="{BB962C8B-B14F-4D97-AF65-F5344CB8AC3E}">
-        <p14:creationId xmlns:p14="http://schemas.microsoft.com/office/powerpoint/2010/main" val="1020236299"/>
+        <p14:creationId xmlns:p14="http://schemas.microsoft.com/office/powerpoint/2010/main" xmlns="" val="1020236299"/>
       </p:ext>
     </p:extLst>
   </p:cSld>
@@ -1951,7 +1969,8 @@
           <a:p>
             <a:fld id="{0489F5A0-7E5A-4816-ABAF-5C599C942FCB}" type="datetimeFigureOut">
               <a:rPr lang="cs-CZ" smtClean="0"/>
-              <a:t>02.02.2017</a:t>
+              <a:pPr/>
+              <a:t>2.2.2017</a:t>
             </a:fld>
             <a:endParaRPr lang="cs-CZ"/>
           </a:p>
@@ -2001,6 +2020,7 @@
           <a:p>
             <a:fld id="{02F93A7A-F6F0-46C1-9B69-E564BFA29D82}" type="slidenum">
               <a:rPr lang="cs-CZ" smtClean="0"/>
+              <a:pPr/>
               <a:t>‹#›</a:t>
             </a:fld>
             <a:endParaRPr lang="cs-CZ"/>
@@ -2010,7 +2030,7 @@
     </p:spTree>
     <p:extLst>
       <p:ext uri="{BB962C8B-B14F-4D97-AF65-F5344CB8AC3E}">
-        <p14:creationId xmlns:p14="http://schemas.microsoft.com/office/powerpoint/2010/main" val="588635046"/>
+        <p14:creationId xmlns:p14="http://schemas.microsoft.com/office/powerpoint/2010/main" xmlns="" val="588635046"/>
       </p:ext>
     </p:extLst>
   </p:cSld>
@@ -2242,7 +2262,8 @@
           <a:p>
             <a:fld id="{0489F5A0-7E5A-4816-ABAF-5C599C942FCB}" type="datetimeFigureOut">
               <a:rPr lang="cs-CZ" smtClean="0"/>
-              <a:t>02.02.2017</a:t>
+              <a:pPr/>
+              <a:t>2.2.2017</a:t>
             </a:fld>
             <a:endParaRPr lang="cs-CZ"/>
           </a:p>
@@ -2292,6 +2313,7 @@
           <a:p>
             <a:fld id="{02F93A7A-F6F0-46C1-9B69-E564BFA29D82}" type="slidenum">
               <a:rPr lang="cs-CZ" smtClean="0"/>
+              <a:pPr/>
               <a:t>‹#›</a:t>
             </a:fld>
             <a:endParaRPr lang="cs-CZ"/>
@@ -2301,7 +2323,7 @@
     </p:spTree>
     <p:extLst>
       <p:ext uri="{BB962C8B-B14F-4D97-AF65-F5344CB8AC3E}">
-        <p14:creationId xmlns:p14="http://schemas.microsoft.com/office/powerpoint/2010/main" val="3983279881"/>
+        <p14:creationId xmlns:p14="http://schemas.microsoft.com/office/powerpoint/2010/main" xmlns="" val="3983279881"/>
       </p:ext>
     </p:extLst>
   </p:cSld>
@@ -2510,7 +2532,8 @@
           <a:p>
             <a:fld id="{0489F5A0-7E5A-4816-ABAF-5C599C942FCB}" type="datetimeFigureOut">
               <a:rPr lang="cs-CZ" smtClean="0"/>
-              <a:t>02.02.2017</a:t>
+              <a:pPr/>
+              <a:t>2.2.2017</a:t>
             </a:fld>
             <a:endParaRPr lang="cs-CZ"/>
           </a:p>
@@ -2560,6 +2583,7 @@
           <a:p>
             <a:fld id="{02F93A7A-F6F0-46C1-9B69-E564BFA29D82}" type="slidenum">
               <a:rPr lang="cs-CZ" smtClean="0"/>
+              <a:pPr/>
               <a:t>‹#›</a:t>
             </a:fld>
             <a:endParaRPr lang="cs-CZ"/>
@@ -2569,7 +2593,7 @@
     </p:spTree>
     <p:extLst>
       <p:ext uri="{BB962C8B-B14F-4D97-AF65-F5344CB8AC3E}">
-        <p14:creationId xmlns:p14="http://schemas.microsoft.com/office/powerpoint/2010/main" val="995213816"/>
+        <p14:creationId xmlns:p14="http://schemas.microsoft.com/office/powerpoint/2010/main" xmlns="" val="995213816"/>
       </p:ext>
     </p:extLst>
   </p:cSld>
@@ -2744,6 +2768,7 @@
           <a:p>
             <a:fld id="{02F93A7A-F6F0-46C1-9B69-E564BFA29D82}" type="slidenum">
               <a:rPr lang="cs-CZ" smtClean="0"/>
+              <a:pPr/>
               <a:t>‹#›</a:t>
             </a:fld>
             <a:endParaRPr lang="cs-CZ"/>
@@ -2753,7 +2778,7 @@
     </p:spTree>
     <p:extLst>
       <p:ext uri="{BB962C8B-B14F-4D97-AF65-F5344CB8AC3E}">
-        <p14:creationId xmlns:p14="http://schemas.microsoft.com/office/powerpoint/2010/main" val="203545388"/>
+        <p14:creationId xmlns:p14="http://schemas.microsoft.com/office/powerpoint/2010/main" xmlns="" val="203545388"/>
       </p:ext>
     </p:extLst>
   </p:cSld>
@@ -3154,9 +3179,268 @@
     </p:spTree>
     <p:extLst>
       <p:ext uri="{BB962C8B-B14F-4D97-AF65-F5344CB8AC3E}">
-        <p14:creationId xmlns:p14="http://schemas.microsoft.com/office/powerpoint/2010/main" val="2628404135"/>
+        <p14:creationId xmlns:p14="http://schemas.microsoft.com/office/powerpoint/2010/main" xmlns="" val="2628404135"/>
       </p:ext>
     </p:extLst>
+  </p:cSld>
+  <p:clrMapOvr>
+    <a:masterClrMapping/>
+  </p:clrMapOvr>
+  <p:timing>
+    <p:tnLst>
+      <p:par>
+        <p:cTn id="1" dur="indefinite" restart="never" nodeType="tmRoot"/>
+      </p:par>
+    </p:tnLst>
+  </p:timing>
+</p:sld>
+</file>
+
+<file path=ppt/slides/slide10.xml><?xml version="1.0" encoding="utf-8"?>
+<p:sld xmlns:a="http://schemas.openxmlformats.org/drawingml/2006/main" xmlns:r="http://schemas.openxmlformats.org/officeDocument/2006/relationships" xmlns:p="http://schemas.openxmlformats.org/presentationml/2006/main">
+  <p:cSld>
+    <p:spTree>
+      <p:nvGrpSpPr>
+        <p:cNvPr id="1" name=""/>
+        <p:cNvGrpSpPr/>
+        <p:nvPr/>
+      </p:nvGrpSpPr>
+      <p:grpSpPr>
+        <a:xfrm>
+          <a:off x="0" y="0"/>
+          <a:ext cx="0" cy="0"/>
+          <a:chOff x="0" y="0"/>
+          <a:chExt cx="0" cy="0"/>
+        </a:xfrm>
+      </p:grpSpPr>
+      <p:sp>
+        <p:nvSpPr>
+          <p:cNvPr id="2" name="Nadpis 1"/>
+          <p:cNvSpPr>
+            <a:spLocks noGrp="1"/>
+          </p:cNvSpPr>
+          <p:nvPr>
+            <p:ph type="title"/>
+          </p:nvPr>
+        </p:nvSpPr>
+        <p:spPr/>
+        <p:txBody>
+          <a:bodyPr>
+            <a:normAutofit fontScale="90000"/>
+          </a:bodyPr>
+          <a:lstStyle/>
+          <a:p>
+            <a:r>
+              <a:rPr lang="cs-CZ" dirty="0"/>
+              <a:t>Jak toto funguje dohromady?</a:t>
+            </a:r>
+          </a:p>
+        </p:txBody>
+      </p:sp>
+      <p:pic>
+        <p:nvPicPr>
+          <p:cNvPr id="4" name="Zástupný symbol pro obsah 3"/>
+          <p:cNvPicPr>
+            <a:picLocks noGrp="1" noChangeAspect="1"/>
+          </p:cNvPicPr>
+          <p:nvPr>
+            <p:ph idx="1"/>
+          </p:nvPr>
+        </p:nvPicPr>
+        <p:blipFill>
+          <a:blip r:embed="rId2" cstate="print">
+            <a:extLst>
+              <a:ext uri="{28A0092B-C50C-407E-A947-70E740481C1C}">
+                <a14:useLocalDpi xmlns:a14="http://schemas.microsoft.com/office/drawing/2010/main" xmlns="" val="0"/>
+              </a:ext>
+            </a:extLst>
+          </a:blip>
+          <a:stretch>
+            <a:fillRect/>
+          </a:stretch>
+        </p:blipFill>
+        <p:spPr>
+          <a:xfrm>
+            <a:off x="1" y="858882"/>
+            <a:ext cx="12192000" cy="645836"/>
+          </a:xfrm>
+        </p:spPr>
+      </p:pic>
+      <p:sp>
+        <p:nvSpPr>
+          <p:cNvPr id="5" name="TextovéPole 4"/>
+          <p:cNvSpPr txBox="1"/>
+          <p:nvPr/>
+        </p:nvSpPr>
+        <p:spPr>
+          <a:xfrm>
+            <a:off x="365760" y="1750413"/>
+            <a:ext cx="11838562" cy="2862322"/>
+          </a:xfrm>
+          <a:prstGeom prst="rect">
+            <a:avLst/>
+          </a:prstGeom>
+          <a:noFill/>
+        </p:spPr>
+        <p:txBody>
+          <a:bodyPr wrap="none" rtlCol="0">
+            <a:spAutoFit/>
+          </a:bodyPr>
+          <a:lstStyle/>
+          <a:p>
+            <a:r>
+              <a:rPr lang="cs-CZ" sz="3600" dirty="0"/>
+              <a:t>1.) Metoda komunikace:</a:t>
+            </a:r>
+          </a:p>
+          <a:p>
+            <a:r>
+              <a:rPr lang="cs-CZ" sz="3600" dirty="0"/>
+              <a:t>	</a:t>
+            </a:r>
+            <a:r>
+              <a:rPr lang="cs-CZ" sz="3600" dirty="0" smtClean="0"/>
+              <a:t>GET – předání informací adresou URL</a:t>
+            </a:r>
+            <a:endParaRPr lang="cs-CZ" sz="3600" dirty="0"/>
+          </a:p>
+          <a:p>
+            <a:r>
+              <a:rPr lang="cs-CZ" sz="3600" dirty="0"/>
+              <a:t>	</a:t>
+            </a:r>
+            <a:r>
+              <a:rPr lang="cs-CZ" sz="3600" dirty="0" smtClean="0"/>
+              <a:t>POST – předání informací hodnot ze stránky (formuláře…)</a:t>
+            </a:r>
+            <a:endParaRPr lang="cs-CZ" sz="3600" dirty="0"/>
+          </a:p>
+          <a:p>
+            <a:r>
+              <a:rPr lang="cs-CZ" sz="3600" dirty="0"/>
+              <a:t>2.) </a:t>
+            </a:r>
+            <a:r>
+              <a:rPr lang="cs-CZ" sz="3600" dirty="0" smtClean="0"/>
+              <a:t>Adresa vyžadovaného souboru</a:t>
+            </a:r>
+            <a:endParaRPr lang="cs-CZ" sz="3600" dirty="0"/>
+          </a:p>
+          <a:p>
+            <a:r>
+              <a:rPr lang="cs-CZ" sz="3600" dirty="0"/>
+              <a:t>3.) </a:t>
+            </a:r>
+            <a:r>
+              <a:rPr lang="cs-CZ" sz="3600" dirty="0" smtClean="0"/>
+              <a:t>Předané argumenty</a:t>
+            </a:r>
+            <a:endParaRPr lang="cs-CZ" sz="3600" dirty="0" smtClean="0"/>
+          </a:p>
+        </p:txBody>
+      </p:sp>
+    </p:spTree>
+    <p:extLst>
+      <p:ext uri="{BB962C8B-B14F-4D97-AF65-F5344CB8AC3E}">
+        <p14:creationId xmlns:p14="http://schemas.microsoft.com/office/powerpoint/2010/main" xmlns="" val="801024627"/>
+      </p:ext>
+    </p:extLst>
+  </p:cSld>
+  <p:clrMapOvr>
+    <a:masterClrMapping/>
+  </p:clrMapOvr>
+  <p:timing>
+    <p:tnLst>
+      <p:par>
+        <p:cTn id="1" dur="indefinite" restart="never" nodeType="tmRoot"/>
+      </p:par>
+    </p:tnLst>
+  </p:timing>
+</p:sld>
+</file>
+
+<file path=ppt/slides/slide11.xml><?xml version="1.0" encoding="utf-8"?>
+<p:sld xmlns:a="http://schemas.openxmlformats.org/drawingml/2006/main" xmlns:r="http://schemas.openxmlformats.org/officeDocument/2006/relationships" xmlns:p="http://schemas.openxmlformats.org/presentationml/2006/main">
+  <p:cSld>
+    <p:spTree>
+      <p:nvGrpSpPr>
+        <p:cNvPr id="1" name=""/>
+        <p:cNvGrpSpPr/>
+        <p:nvPr/>
+      </p:nvGrpSpPr>
+      <p:grpSpPr>
+        <a:xfrm>
+          <a:off x="0" y="0"/>
+          <a:ext cx="0" cy="0"/>
+          <a:chOff x="0" y="0"/>
+          <a:chExt cx="0" cy="0"/>
+        </a:xfrm>
+      </p:grpSpPr>
+      <p:sp>
+        <p:nvSpPr>
+          <p:cNvPr id="2" name="Nadpis 1"/>
+          <p:cNvSpPr>
+            <a:spLocks noGrp="1"/>
+          </p:cNvSpPr>
+          <p:nvPr>
+            <p:ph type="title"/>
+          </p:nvPr>
+        </p:nvSpPr>
+        <p:spPr/>
+        <p:txBody>
+          <a:bodyPr>
+            <a:normAutofit fontScale="90000"/>
+          </a:bodyPr>
+          <a:lstStyle/>
+          <a:p>
+            <a:endParaRPr lang="cs-CZ"/>
+          </a:p>
+        </p:txBody>
+      </p:sp>
+      <p:sp>
+        <p:nvSpPr>
+          <p:cNvPr id="3" name="Zástupný symbol pro obsah 2"/>
+          <p:cNvSpPr>
+            <a:spLocks noGrp="1"/>
+          </p:cNvSpPr>
+          <p:nvPr>
+            <p:ph idx="1"/>
+          </p:nvPr>
+        </p:nvSpPr>
+        <p:spPr/>
+        <p:txBody>
+          <a:bodyPr/>
+          <a:lstStyle/>
+          <a:p>
+            <a:endParaRPr lang="cs-CZ"/>
+          </a:p>
+        </p:txBody>
+      </p:sp>
+      <p:pic>
+        <p:nvPicPr>
+          <p:cNvPr id="4" name="Obrázek 3"/>
+          <p:cNvPicPr>
+            <a:picLocks noChangeAspect="1"/>
+          </p:cNvPicPr>
+          <p:nvPr/>
+        </p:nvPicPr>
+        <p:blipFill>
+          <a:blip r:embed="rId2" cstate="print"/>
+          <a:stretch>
+            <a:fillRect/>
+          </a:stretch>
+        </p:blipFill>
+        <p:spPr>
+          <a:xfrm>
+            <a:off x="0" y="0"/>
+            <a:ext cx="12184656" cy="6169446"/>
+          </a:xfrm>
+          <a:prstGeom prst="rect">
+            <a:avLst/>
+          </a:prstGeom>
+        </p:spPr>
+      </p:pic>
+    </p:spTree>
   </p:cSld>
   <p:clrMapOvr>
     <a:masterClrMapping/>
@@ -3164,7 +3448,7 @@
 </p:sld>
 </file>
 
-<file path=ppt/slides/slide10.xml><?xml version="1.0" encoding="utf-8"?>
+<file path=ppt/slides/slide12.xml><?xml version="1.0" encoding="utf-8"?>
 <p:sld xmlns:a="http://schemas.openxmlformats.org/drawingml/2006/main" xmlns:r="http://schemas.openxmlformats.org/officeDocument/2006/relationships" xmlns:p="http://schemas.openxmlformats.org/presentationml/2006/main">
   <p:cSld>
     <p:spTree>
@@ -3188,14 +3472,14 @@
           <p:nvPr/>
         </p:nvPicPr>
         <p:blipFill>
-          <a:blip r:embed="rId2"/>
+          <a:blip r:embed="rId2" cstate="print"/>
           <a:stretch>
             <a:fillRect/>
           </a:stretch>
         </p:blipFill>
         <p:spPr bwMode="auto">
           <a:xfrm>
-            <a:off x="182879" y="130629"/>
+            <a:off x="0" y="-11017"/>
             <a:ext cx="11534503" cy="6466113"/>
           </a:xfrm>
           <a:prstGeom prst="rect">
@@ -3206,17 +3490,24 @@
     </p:spTree>
     <p:extLst>
       <p:ext uri="{BB962C8B-B14F-4D97-AF65-F5344CB8AC3E}">
-        <p14:creationId xmlns:p14="http://schemas.microsoft.com/office/powerpoint/2010/main" val="119218533"/>
+        <p14:creationId xmlns:p14="http://schemas.microsoft.com/office/powerpoint/2010/main" xmlns="" val="119218533"/>
       </p:ext>
     </p:extLst>
   </p:cSld>
   <p:clrMapOvr>
     <a:masterClrMapping/>
   </p:clrMapOvr>
+  <p:timing>
+    <p:tnLst>
+      <p:par>
+        <p:cTn id="1" dur="indefinite" restart="never" nodeType="tmRoot"/>
+      </p:par>
+    </p:tnLst>
+  </p:timing>
 </p:sld>
 </file>
 
-<file path=ppt/slides/slide11.xml><?xml version="1.0" encoding="utf-8"?>
+<file path=ppt/slides/slide13.xml><?xml version="1.0" encoding="utf-8"?>
 <p:sld xmlns:a="http://schemas.openxmlformats.org/drawingml/2006/main" xmlns:r="http://schemas.openxmlformats.org/officeDocument/2006/relationships" xmlns:p="http://schemas.openxmlformats.org/presentationml/2006/main">
   <p:cSld>
     <p:spTree>
@@ -3287,13 +3578,20 @@
     </p:spTree>
     <p:extLst>
       <p:ext uri="{BB962C8B-B14F-4D97-AF65-F5344CB8AC3E}">
-        <p14:creationId xmlns:p14="http://schemas.microsoft.com/office/powerpoint/2010/main" val="930834792"/>
+        <p14:creationId xmlns:p14="http://schemas.microsoft.com/office/powerpoint/2010/main" xmlns="" val="930834792"/>
       </p:ext>
     </p:extLst>
   </p:cSld>
   <p:clrMapOvr>
     <a:masterClrMapping/>
   </p:clrMapOvr>
+  <p:timing>
+    <p:tnLst>
+      <p:par>
+        <p:cTn id="1" dur="indefinite" restart="never" nodeType="tmRoot"/>
+      </p:par>
+    </p:tnLst>
+  </p:timing>
 </p:sld>
 </file>
 
@@ -3397,7 +3695,7 @@
           <p:nvPr/>
         </p:nvPicPr>
         <p:blipFill>
-          <a:blip r:embed="rId2"/>
+          <a:blip r:embed="rId2" cstate="print"/>
           <a:stretch>
             <a:fillRect/>
           </a:stretch>
@@ -3415,13 +3713,20 @@
     </p:spTree>
     <p:extLst>
       <p:ext uri="{BB962C8B-B14F-4D97-AF65-F5344CB8AC3E}">
-        <p14:creationId xmlns:p14="http://schemas.microsoft.com/office/powerpoint/2010/main" val="594064685"/>
+        <p14:creationId xmlns:p14="http://schemas.microsoft.com/office/powerpoint/2010/main" xmlns="" val="594064685"/>
       </p:ext>
     </p:extLst>
   </p:cSld>
   <p:clrMapOvr>
     <a:masterClrMapping/>
   </p:clrMapOvr>
+  <p:timing>
+    <p:tnLst>
+      <p:par>
+        <p:cTn id="1" dur="indefinite" restart="never" nodeType="tmRoot"/>
+      </p:par>
+    </p:tnLst>
+  </p:timing>
 </p:sld>
 </file>
 
@@ -3449,7 +3754,7 @@
           <p:nvPr/>
         </p:nvPicPr>
         <p:blipFill>
-          <a:blip r:embed="rId2"/>
+          <a:blip r:embed="rId2" cstate="print"/>
           <a:stretch>
             <a:fillRect/>
           </a:stretch>
@@ -3546,13 +3851,20 @@
     </p:spTree>
     <p:extLst>
       <p:ext uri="{BB962C8B-B14F-4D97-AF65-F5344CB8AC3E}">
-        <p14:creationId xmlns:p14="http://schemas.microsoft.com/office/powerpoint/2010/main" val="4158911669"/>
+        <p14:creationId xmlns:p14="http://schemas.microsoft.com/office/powerpoint/2010/main" xmlns="" val="4158911669"/>
       </p:ext>
     </p:extLst>
   </p:cSld>
   <p:clrMapOvr>
     <a:masterClrMapping/>
   </p:clrMapOvr>
+  <p:timing>
+    <p:tnLst>
+      <p:par>
+        <p:cTn id="1" dur="indefinite" restart="never" nodeType="tmRoot"/>
+      </p:par>
+    </p:tnLst>
+  </p:timing>
 </p:sld>
 </file>
 
@@ -3615,33 +3927,43 @@
           <a:lstStyle/>
           <a:p>
             <a:r>
+              <a:rPr lang="cs-CZ" sz="3200" dirty="0" smtClean="0"/>
+              <a:t>Připojený počítač má IP adresu (~jméno)</a:t>
+            </a:r>
+            <a:r>
+              <a:rPr lang="cs-CZ" sz="3200" dirty="0" smtClean="0"/>
+              <a:t>(IPv4</a:t>
+            </a:r>
+            <a:r>
               <a:rPr lang="cs-CZ" sz="3200" dirty="0"/>
-              <a:t>Počítač připojen pomocí IP adresy (IPv4, IPv6)</a:t>
+              <a:t>, IPv6)</a:t>
             </a:r>
           </a:p>
           <a:p>
             <a:r>
               <a:rPr lang="cs-CZ" sz="3200" dirty="0"/>
-              <a:t>Po napsání domény – vrácení IP adresy serveru (DNS)</a:t>
-            </a:r>
+              <a:t>Po napsání domény – </a:t>
+            </a:r>
+            <a:r>
+              <a:rPr lang="cs-CZ" sz="3200" dirty="0" smtClean="0"/>
+              <a:t>DNS server najde přísl. </a:t>
+            </a:r>
+            <a:r>
+              <a:rPr lang="cs-CZ" sz="3200" dirty="0" smtClean="0"/>
+              <a:t>IP</a:t>
+            </a:r>
+            <a:endParaRPr lang="cs-CZ" sz="3200" dirty="0"/>
           </a:p>
           <a:p>
             <a:r>
               <a:rPr lang="cs-CZ" sz="3200" dirty="0"/>
-              <a:t>Protokol http - nešifrovaný, https – šifrovaný</a:t>
-            </a:r>
-          </a:p>
-          <a:p>
-            <a:r>
-              <a:rPr lang="cs-CZ" sz="3200" dirty="0"/>
-              <a:t>Certifikáty = ověření pravosti stránky</a:t>
-            </a:r>
-          </a:p>
-          <a:p>
-            <a:r>
-              <a:rPr lang="cs-CZ" sz="3200" dirty="0"/>
-              <a:t>Několik druhů počítačů – Uživatelé, servery, routery</a:t>
-            </a:r>
+              <a:t>Protokol http - nešifrovaný, https – </a:t>
+            </a:r>
+            <a:r>
+              <a:rPr lang="cs-CZ" sz="3200" dirty="0" smtClean="0"/>
+              <a:t>šifrovaný</a:t>
+            </a:r>
+            <a:endParaRPr lang="cs-CZ" sz="3200" dirty="0"/>
           </a:p>
         </p:txBody>
       </p:sp>
@@ -3654,10 +3976,10 @@
           <p:nvPr/>
         </p:nvPicPr>
         <p:blipFill>
-          <a:blip r:embed="rId2">
+          <a:blip r:embed="rId2" cstate="print">
             <a:extLst>
               <a:ext uri="{28A0092B-C50C-407E-A947-70E740481C1C}">
-                <a14:useLocalDpi xmlns:a14="http://schemas.microsoft.com/office/drawing/2010/main" val="0"/>
+                <a14:useLocalDpi xmlns:a14="http://schemas.microsoft.com/office/drawing/2010/main" xmlns="" val="0"/>
               </a:ext>
             </a:extLst>
           </a:blip>
@@ -3667,8 +3989,8 @@
         </p:blipFill>
         <p:spPr>
           <a:xfrm>
-            <a:off x="3774831" y="3507319"/>
-            <a:ext cx="8417169" cy="3350681"/>
+            <a:off x="0" y="2295462"/>
+            <a:ext cx="12192000" cy="4853355"/>
           </a:xfrm>
           <a:prstGeom prst="rect">
             <a:avLst/>
@@ -3678,13 +4000,20 @@
     </p:spTree>
     <p:extLst>
       <p:ext uri="{BB962C8B-B14F-4D97-AF65-F5344CB8AC3E}">
-        <p14:creationId xmlns:p14="http://schemas.microsoft.com/office/powerpoint/2010/main" val="1857659206"/>
+        <p14:creationId xmlns:p14="http://schemas.microsoft.com/office/powerpoint/2010/main" xmlns="" val="1857659206"/>
       </p:ext>
     </p:extLst>
   </p:cSld>
   <p:clrMapOvr>
     <a:masterClrMapping/>
   </p:clrMapOvr>
+  <p:timing>
+    <p:tnLst>
+      <p:par>
+        <p:cTn id="1" dur="indefinite" restart="never" nodeType="tmRoot"/>
+      </p:par>
+    </p:tnLst>
+  </p:timing>
 </p:sld>
 </file>
 
@@ -3793,7 +4122,7 @@
           <p:nvPr/>
         </p:nvPicPr>
         <p:blipFill>
-          <a:blip r:embed="rId2"/>
+          <a:blip r:embed="rId2" cstate="print"/>
           <a:stretch>
             <a:fillRect/>
           </a:stretch>
@@ -3817,7 +4146,7 @@
           <p:nvPr/>
         </p:nvPicPr>
         <p:blipFill>
-          <a:blip r:embed="rId3"/>
+          <a:blip r:embed="rId3" cstate="print"/>
           <a:stretch>
             <a:fillRect/>
           </a:stretch>
@@ -3841,7 +4170,7 @@
           <p:nvPr/>
         </p:nvPicPr>
         <p:blipFill>
-          <a:blip r:embed="rId4"/>
+          <a:blip r:embed="rId4" cstate="print"/>
           <a:stretch>
             <a:fillRect/>
           </a:stretch>
@@ -3864,7 +4193,7 @@
         </p:nvSpPr>
         <p:spPr>
           <a:xfrm>
-            <a:off x="2874501" y="4829908"/>
+            <a:off x="2830434" y="4488385"/>
             <a:ext cx="1641230" cy="1008184"/>
           </a:xfrm>
           <a:prstGeom prst="rightArrow">
@@ -3904,7 +4233,7 @@
         </p:nvSpPr>
         <p:spPr>
           <a:xfrm>
-            <a:off x="6902201" y="4888523"/>
+            <a:off x="6902201" y="4547000"/>
             <a:ext cx="1641230" cy="1008184"/>
           </a:xfrm>
           <a:prstGeom prst="rightArrow">
@@ -3936,16 +4265,402 @@
           </a:p>
         </p:txBody>
       </p:sp>
+      <p:sp>
+        <p:nvSpPr>
+          <p:cNvPr id="9" name="Šipka doprava 8"/>
+          <p:cNvSpPr/>
+          <p:nvPr/>
+        </p:nvSpPr>
+        <p:spPr>
+          <a:xfrm rot="10800000">
+            <a:off x="6907576" y="5849957"/>
+            <a:ext cx="1575412" cy="1008043"/>
+          </a:xfrm>
+          <a:prstGeom prst="rightArrow">
+            <a:avLst/>
+          </a:prstGeom>
+          <a:solidFill>
+            <a:srgbClr val="FF0000"/>
+          </a:solidFill>
+        </p:spPr>
+        <p:style>
+          <a:lnRef idx="2">
+            <a:schemeClr val="accent1">
+              <a:shade val="50000"/>
+            </a:schemeClr>
+          </a:lnRef>
+          <a:fillRef idx="1">
+            <a:schemeClr val="accent1"/>
+          </a:fillRef>
+          <a:effectRef idx="0">
+            <a:schemeClr val="accent1"/>
+          </a:effectRef>
+          <a:fontRef idx="minor">
+            <a:schemeClr val="lt1"/>
+          </a:fontRef>
+        </p:style>
+        <p:txBody>
+          <a:bodyPr rtlCol="0" anchor="ctr"/>
+          <a:lstStyle/>
+          <a:p>
+            <a:pPr algn="ctr"/>
+            <a:endParaRPr lang="cs-CZ"/>
+          </a:p>
+        </p:txBody>
+      </p:sp>
+      <p:sp>
+        <p:nvSpPr>
+          <p:cNvPr id="12" name="Šipka doprava 11"/>
+          <p:cNvSpPr/>
+          <p:nvPr/>
+        </p:nvSpPr>
+        <p:spPr>
+          <a:xfrm rot="10800000">
+            <a:off x="2776251" y="5855465"/>
+            <a:ext cx="1652530" cy="1002535"/>
+          </a:xfrm>
+          <a:prstGeom prst="rightArrow">
+            <a:avLst/>
+          </a:prstGeom>
+          <a:solidFill>
+            <a:srgbClr val="FF0000"/>
+          </a:solidFill>
+        </p:spPr>
+        <p:style>
+          <a:lnRef idx="2">
+            <a:schemeClr val="accent1">
+              <a:shade val="50000"/>
+            </a:schemeClr>
+          </a:lnRef>
+          <a:fillRef idx="1">
+            <a:schemeClr val="accent1"/>
+          </a:fillRef>
+          <a:effectRef idx="0">
+            <a:schemeClr val="accent1"/>
+          </a:effectRef>
+          <a:fontRef idx="minor">
+            <a:schemeClr val="lt1"/>
+          </a:fontRef>
+        </p:style>
+        <p:txBody>
+          <a:bodyPr rtlCol="0" anchor="ctr"/>
+          <a:lstStyle/>
+          <a:p>
+            <a:pPr algn="ctr"/>
+            <a:endParaRPr lang="cs-CZ"/>
+          </a:p>
+        </p:txBody>
+      </p:sp>
+      <p:sp>
+        <p:nvSpPr>
+          <p:cNvPr id="13" name="Mrak 12"/>
+          <p:cNvSpPr/>
+          <p:nvPr/>
+        </p:nvSpPr>
+        <p:spPr>
+          <a:xfrm>
+            <a:off x="1509311" y="4230477"/>
+            <a:ext cx="1421176" cy="969485"/>
+          </a:xfrm>
+          <a:prstGeom prst="cloud">
+            <a:avLst/>
+          </a:prstGeom>
+          <a:solidFill>
+            <a:schemeClr val="bg1"/>
+          </a:solidFill>
+        </p:spPr>
+        <p:style>
+          <a:lnRef idx="2">
+            <a:schemeClr val="accent1">
+              <a:shade val="50000"/>
+            </a:schemeClr>
+          </a:lnRef>
+          <a:fillRef idx="1">
+            <a:schemeClr val="accent1"/>
+          </a:fillRef>
+          <a:effectRef idx="0">
+            <a:schemeClr val="accent1"/>
+          </a:effectRef>
+          <a:fontRef idx="minor">
+            <a:schemeClr val="lt1"/>
+          </a:fontRef>
+        </p:style>
+        <p:txBody>
+          <a:bodyPr rtlCol="0" anchor="ctr"/>
+          <a:lstStyle/>
+          <a:p>
+            <a:pPr algn="ctr"/>
+            <a:endParaRPr lang="cs-CZ"/>
+          </a:p>
+        </p:txBody>
+      </p:sp>
+      <p:sp>
+        <p:nvSpPr>
+          <p:cNvPr id="14" name="Tlačítko akce: Informace 13">
+            <a:hlinkClick r:id="" action="ppaction://noaction" highlightClick="1"/>
+          </p:cNvPr>
+          <p:cNvSpPr/>
+          <p:nvPr/>
+        </p:nvSpPr>
+        <p:spPr>
+          <a:xfrm>
+            <a:off x="1872868" y="4428780"/>
+            <a:ext cx="638978" cy="550845"/>
+          </a:xfrm>
+          <a:prstGeom prst="actionButtonInformation">
+            <a:avLst/>
+          </a:prstGeom>
+          <a:solidFill>
+            <a:schemeClr val="bg1"/>
+          </a:solidFill>
+          <a:ln>
+            <a:solidFill>
+              <a:schemeClr val="bg1"/>
+            </a:solidFill>
+          </a:ln>
+        </p:spPr>
+        <p:style>
+          <a:lnRef idx="2">
+            <a:schemeClr val="accent1">
+              <a:shade val="50000"/>
+            </a:schemeClr>
+          </a:lnRef>
+          <a:fillRef idx="1">
+            <a:schemeClr val="accent1"/>
+          </a:fillRef>
+          <a:effectRef idx="0">
+            <a:schemeClr val="accent1"/>
+          </a:effectRef>
+          <a:fontRef idx="minor">
+            <a:schemeClr val="lt1"/>
+          </a:fontRef>
+        </p:style>
+        <p:txBody>
+          <a:bodyPr rtlCol="0" anchor="ctr"/>
+          <a:lstStyle/>
+          <a:p>
+            <a:pPr algn="ctr"/>
+            <a:endParaRPr lang="cs-CZ"/>
+          </a:p>
+        </p:txBody>
+      </p:sp>
+      <p:sp>
+        <p:nvSpPr>
+          <p:cNvPr id="15" name="Tlačítko akce: Nápověda 14">
+            <a:hlinkClick r:id="" action="ppaction://noaction" highlightClick="1"/>
+          </p:cNvPr>
+          <p:cNvSpPr/>
+          <p:nvPr/>
+        </p:nvSpPr>
+        <p:spPr>
+          <a:xfrm>
+            <a:off x="2412694" y="4406747"/>
+            <a:ext cx="220337" cy="198304"/>
+          </a:xfrm>
+          <a:prstGeom prst="actionButtonHelp">
+            <a:avLst/>
+          </a:prstGeom>
+          <a:solidFill>
+            <a:schemeClr val="bg1"/>
+          </a:solidFill>
+          <a:ln>
+            <a:solidFill>
+              <a:schemeClr val="bg1"/>
+            </a:solidFill>
+          </a:ln>
+        </p:spPr>
+        <p:style>
+          <a:lnRef idx="2">
+            <a:schemeClr val="accent1">
+              <a:shade val="50000"/>
+            </a:schemeClr>
+          </a:lnRef>
+          <a:fillRef idx="1">
+            <a:schemeClr val="accent1"/>
+          </a:fillRef>
+          <a:effectRef idx="0">
+            <a:schemeClr val="accent1"/>
+          </a:effectRef>
+          <a:fontRef idx="minor">
+            <a:schemeClr val="lt1"/>
+          </a:fontRef>
+        </p:style>
+        <p:txBody>
+          <a:bodyPr rtlCol="0" anchor="ctr"/>
+          <a:lstStyle/>
+          <a:p>
+            <a:pPr algn="ctr"/>
+            <a:endParaRPr lang="cs-CZ"/>
+          </a:p>
+        </p:txBody>
+      </p:sp>
+      <p:sp>
+        <p:nvSpPr>
+          <p:cNvPr id="16" name="Tlačítko akce: Domů 15">
+            <a:hlinkClick r:id="" action="ppaction://hlinkshowjump?jump=firstslide" highlightClick="1"/>
+          </p:cNvPr>
+          <p:cNvSpPr/>
+          <p:nvPr/>
+        </p:nvSpPr>
+        <p:spPr>
+          <a:xfrm>
+            <a:off x="6015210" y="4241494"/>
+            <a:ext cx="1024568" cy="870333"/>
+          </a:xfrm>
+          <a:prstGeom prst="actionButtonHome">
+            <a:avLst/>
+          </a:prstGeom>
+          <a:solidFill>
+            <a:schemeClr val="bg1"/>
+          </a:solidFill>
+          <a:ln>
+            <a:solidFill>
+              <a:schemeClr val="bg1"/>
+            </a:solidFill>
+          </a:ln>
+        </p:spPr>
+        <p:style>
+          <a:lnRef idx="2">
+            <a:schemeClr val="accent1">
+              <a:shade val="50000"/>
+            </a:schemeClr>
+          </a:lnRef>
+          <a:fillRef idx="1">
+            <a:schemeClr val="accent1"/>
+          </a:fillRef>
+          <a:effectRef idx="0">
+            <a:schemeClr val="accent1"/>
+          </a:effectRef>
+          <a:fontRef idx="minor">
+            <a:schemeClr val="lt1"/>
+          </a:fontRef>
+        </p:style>
+        <p:txBody>
+          <a:bodyPr rtlCol="0" anchor="ctr"/>
+          <a:lstStyle/>
+          <a:p>
+            <a:pPr algn="ctr"/>
+            <a:endParaRPr lang="cs-CZ"/>
+          </a:p>
+        </p:txBody>
+      </p:sp>
+      <p:sp>
+        <p:nvSpPr>
+          <p:cNvPr id="17" name="Tlačítko akce: Nápověda 16">
+            <a:hlinkClick r:id="" action="ppaction://noaction" highlightClick="1"/>
+          </p:cNvPr>
+          <p:cNvSpPr/>
+          <p:nvPr/>
+        </p:nvSpPr>
+        <p:spPr>
+          <a:xfrm>
+            <a:off x="6775373" y="4296578"/>
+            <a:ext cx="330507" cy="297456"/>
+          </a:xfrm>
+          <a:prstGeom prst="actionButtonHelp">
+            <a:avLst/>
+          </a:prstGeom>
+          <a:solidFill>
+            <a:schemeClr val="bg1"/>
+          </a:solidFill>
+          <a:ln>
+            <a:solidFill>
+              <a:schemeClr val="bg1"/>
+            </a:solidFill>
+          </a:ln>
+        </p:spPr>
+        <p:style>
+          <a:lnRef idx="2">
+            <a:schemeClr val="accent1">
+              <a:shade val="50000"/>
+            </a:schemeClr>
+          </a:lnRef>
+          <a:fillRef idx="1">
+            <a:schemeClr val="accent1"/>
+          </a:fillRef>
+          <a:effectRef idx="0">
+            <a:schemeClr val="accent1"/>
+          </a:effectRef>
+          <a:fontRef idx="minor">
+            <a:schemeClr val="lt1"/>
+          </a:fontRef>
+        </p:style>
+        <p:txBody>
+          <a:bodyPr rtlCol="0" anchor="ctr"/>
+          <a:lstStyle/>
+          <a:p>
+            <a:pPr algn="ctr"/>
+            <a:endParaRPr lang="cs-CZ"/>
+          </a:p>
+        </p:txBody>
+      </p:sp>
+      <p:sp>
+        <p:nvSpPr>
+          <p:cNvPr id="18" name="Tlačítko akce: Dokument 17">
+            <a:hlinkClick r:id="" action="ppaction://noaction" highlightClick="1"/>
+          </p:cNvPr>
+          <p:cNvSpPr/>
+          <p:nvPr/>
+        </p:nvSpPr>
+        <p:spPr>
+          <a:xfrm>
+            <a:off x="10928733" y="4175393"/>
+            <a:ext cx="1263267" cy="1101687"/>
+          </a:xfrm>
+          <a:prstGeom prst="actionButtonDocument">
+            <a:avLst/>
+          </a:prstGeom>
+          <a:solidFill>
+            <a:schemeClr val="bg1"/>
+          </a:solidFill>
+          <a:ln>
+            <a:solidFill>
+              <a:schemeClr val="bg1"/>
+            </a:solidFill>
+          </a:ln>
+        </p:spPr>
+        <p:style>
+          <a:lnRef idx="2">
+            <a:schemeClr val="accent1">
+              <a:shade val="50000"/>
+            </a:schemeClr>
+          </a:lnRef>
+          <a:fillRef idx="1">
+            <a:schemeClr val="accent1"/>
+          </a:fillRef>
+          <a:effectRef idx="0">
+            <a:schemeClr val="accent1"/>
+          </a:effectRef>
+          <a:fontRef idx="minor">
+            <a:schemeClr val="lt1"/>
+          </a:fontRef>
+        </p:style>
+        <p:txBody>
+          <a:bodyPr rtlCol="0" anchor="ctr"/>
+          <a:lstStyle/>
+          <a:p>
+            <a:pPr algn="ctr"/>
+            <a:endParaRPr lang="cs-CZ"/>
+          </a:p>
+        </p:txBody>
+      </p:sp>
     </p:spTree>
     <p:extLst>
       <p:ext uri="{BB962C8B-B14F-4D97-AF65-F5344CB8AC3E}">
-        <p14:creationId xmlns:p14="http://schemas.microsoft.com/office/powerpoint/2010/main" val="654134896"/>
+        <p14:creationId xmlns:p14="http://schemas.microsoft.com/office/powerpoint/2010/main" xmlns="" val="654134896"/>
       </p:ext>
     </p:extLst>
   </p:cSld>
   <p:clrMapOvr>
     <a:masterClrMapping/>
   </p:clrMapOvr>
+  <p:timing>
+    <p:tnLst>
+      <p:par>
+        <p:cTn id="1" dur="indefinite" restart="never" nodeType="tmRoot"/>
+      </p:par>
+    </p:tnLst>
+  </p:timing>
 </p:sld>
 </file>
 
@@ -3978,12 +4693,41 @@
         </p:nvSpPr>
         <p:spPr/>
         <p:txBody>
-          <a:bodyPr/>
-          <a:lstStyle/>
-          <a:p>
+          <a:bodyPr anchor="ctr"/>
+          <a:lstStyle/>
+          <a:p>
+            <a:pPr algn="ctr"/>
             <a:r>
               <a:rPr lang="cs-CZ" dirty="0"/>
-              <a:t>Jak toto funguje dohromady?</a:t>
+              <a:t>Jak </a:t>
+            </a:r>
+            <a:r>
+              <a:rPr lang="cs-CZ" dirty="0" smtClean="0"/>
+              <a:t>t</a:t>
+            </a:r>
+            <a:r>
+              <a:rPr lang="en-US" dirty="0" err="1" smtClean="0"/>
+              <a:t>yto</a:t>
+            </a:r>
+            <a:r>
+              <a:rPr lang="en-US" dirty="0" smtClean="0"/>
+              <a:t> </a:t>
+            </a:r>
+            <a:r>
+              <a:rPr lang="en-US" dirty="0" err="1" smtClean="0"/>
+              <a:t>slo</a:t>
+            </a:r>
+            <a:r>
+              <a:rPr lang="cs-CZ" dirty="0" err="1" smtClean="0"/>
+              <a:t>žky</a:t>
+            </a:r>
+            <a:r>
+              <a:rPr lang="cs-CZ" dirty="0" smtClean="0"/>
+              <a:t> fungují </a:t>
+            </a:r>
+            <a:r>
+              <a:rPr lang="cs-CZ" dirty="0"/>
+              <a:t>dohromady?</a:t>
             </a:r>
           </a:p>
         </p:txBody>
@@ -4010,13 +4754,20 @@
     </p:spTree>
     <p:extLst>
       <p:ext uri="{BB962C8B-B14F-4D97-AF65-F5344CB8AC3E}">
-        <p14:creationId xmlns:p14="http://schemas.microsoft.com/office/powerpoint/2010/main" val="1911030541"/>
+        <p14:creationId xmlns:p14="http://schemas.microsoft.com/office/powerpoint/2010/main" xmlns="" val="1911030541"/>
       </p:ext>
     </p:extLst>
   </p:cSld>
   <p:clrMapOvr>
     <a:masterClrMapping/>
   </p:clrMapOvr>
+  <p:timing>
+    <p:tnLst>
+      <p:par>
+        <p:cTn id="1" dur="indefinite" restart="never" nodeType="tmRoot"/>
+      </p:par>
+    </p:tnLst>
+  </p:timing>
 </p:sld>
 </file>
 
@@ -4056,7 +4807,15 @@
           <a:p>
             <a:r>
               <a:rPr lang="cs-CZ" dirty="0"/>
-              <a:t>Jak toto funguje dohromady?</a:t>
+              <a:t>Jak </a:t>
+            </a:r>
+            <a:r>
+              <a:rPr lang="cs-CZ" dirty="0" smtClean="0"/>
+              <a:t>tyto složky fungují dohromady</a:t>
+            </a:r>
+            <a:r>
+              <a:rPr lang="cs-CZ" dirty="0"/>
+              <a:t>?</a:t>
             </a:r>
           </a:p>
         </p:txBody>
@@ -4079,102 +4838,130 @@
           <a:lstStyle/>
           <a:p>
             <a:r>
-              <a:rPr lang="cs-CZ" sz="3000" dirty="0"/>
-              <a:t>Uživatel chce soubor… - vyšle „packet“</a:t>
-            </a:r>
-          </a:p>
-          <a:p>
-            <a:r>
-              <a:rPr lang="cs-CZ" sz="3000" dirty="0"/>
-              <a:t>„Packet“ zachytí router – nasměruje cestu k serveru</a:t>
-            </a:r>
+              <a:rPr lang="cs-CZ" sz="4000" dirty="0"/>
+              <a:t>Uživatel chce soubor… - vyšle </a:t>
+            </a:r>
+            <a:r>
+              <a:rPr lang="cs-CZ" sz="4000" dirty="0" err="1" smtClean="0"/>
+              <a:t>tvz</a:t>
+            </a:r>
+            <a:r>
+              <a:rPr lang="cs-CZ" sz="4000" dirty="0" smtClean="0"/>
+              <a:t>. </a:t>
+            </a:r>
+            <a:r>
+              <a:rPr lang="cs-CZ" sz="4000" dirty="0" err="1" smtClean="0"/>
+              <a:t>packet</a:t>
+            </a:r>
+            <a:endParaRPr lang="cs-CZ" sz="4000" dirty="0" smtClean="0"/>
+          </a:p>
+          <a:p>
+            <a:endParaRPr lang="cs-CZ" sz="4000" dirty="0"/>
+          </a:p>
+          <a:p>
+            <a:r>
+              <a:rPr lang="cs-CZ" sz="4000" dirty="0" err="1" smtClean="0"/>
+              <a:t>Packet</a:t>
+            </a:r>
+            <a:r>
+              <a:rPr lang="cs-CZ" sz="4000" dirty="0" smtClean="0"/>
+              <a:t> zachytí </a:t>
+            </a:r>
+            <a:r>
+              <a:rPr lang="cs-CZ" sz="4000" dirty="0"/>
+              <a:t>router – </a:t>
+            </a:r>
+            <a:r>
+              <a:rPr lang="cs-CZ" sz="4000" dirty="0" smtClean="0"/>
+              <a:t>najde nejlepší cestu</a:t>
+            </a:r>
+          </a:p>
+          <a:p>
+            <a:endParaRPr lang="cs-CZ" sz="4000" dirty="0"/>
+          </a:p>
+          <a:p>
+            <a:r>
+              <a:rPr lang="cs-CZ" sz="4000" dirty="0"/>
+              <a:t>Server </a:t>
+            </a:r>
+            <a:r>
+              <a:rPr lang="cs-CZ" sz="4000" dirty="0" smtClean="0"/>
+              <a:t>vysílá soubor rozdělený na menší </a:t>
+            </a:r>
+            <a:r>
+              <a:rPr lang="cs-CZ" sz="4000" dirty="0" err="1" smtClean="0"/>
+              <a:t>packety</a:t>
+            </a:r>
+            <a:endParaRPr lang="cs-CZ" sz="4000" dirty="0" smtClean="0"/>
+          </a:p>
+          <a:p>
+            <a:endParaRPr lang="cs-CZ" sz="4000" dirty="0"/>
+          </a:p>
+          <a:p>
+            <a:r>
+              <a:rPr lang="cs-CZ" sz="4000" dirty="0"/>
+              <a:t>Přijetí kontroluje </a:t>
+            </a:r>
+            <a:endParaRPr lang="cs-CZ" sz="4000" dirty="0" smtClean="0"/>
           </a:p>
           <a:p>
             <a:pPr lvl="1"/>
             <a:r>
-              <a:rPr lang="cs-CZ" sz="3000" dirty="0"/>
-              <a:t>Při poruše router najde jinou cestu</a:t>
-            </a:r>
-          </a:p>
-          <a:p>
-            <a:r>
-              <a:rPr lang="cs-CZ" sz="3000" dirty="0"/>
-              <a:t>Server přijme požadavek – rozdělení packetu na menší packety</a:t>
+              <a:rPr lang="cs-CZ" sz="4000" dirty="0" smtClean="0"/>
+              <a:t>TCP – </a:t>
+            </a:r>
+            <a:r>
+              <a:rPr lang="cs-CZ" sz="4000" dirty="0"/>
+              <a:t>kontroluje </a:t>
+            </a:r>
+            <a:r>
+              <a:rPr lang="cs-CZ" sz="4000" dirty="0" smtClean="0"/>
+              <a:t>úplnost; kupř. stahování </a:t>
+            </a:r>
+            <a:r>
+              <a:rPr lang="cs-CZ" sz="4000" dirty="0" err="1" smtClean="0"/>
+              <a:t>soubotů</a:t>
+            </a:r>
+            <a:r>
+              <a:rPr lang="cs-CZ" sz="4000" dirty="0" smtClean="0"/>
+              <a:t> </a:t>
             </a:r>
           </a:p>
           <a:p>
             <a:pPr lvl="1"/>
             <a:r>
-              <a:rPr lang="cs-CZ" sz="3000" dirty="0"/>
-              <a:t>Musí projít sítí</a:t>
-            </a:r>
-          </a:p>
-          <a:p>
-            <a:r>
-              <a:rPr lang="cs-CZ" sz="3000" dirty="0"/>
-              <a:t>Přijetí kontroluje TCP – </a:t>
-            </a:r>
-            <a:r>
-              <a:rPr lang="cs-CZ" sz="3000" dirty="0" err="1"/>
-              <a:t>transmission</a:t>
-            </a:r>
-            <a:r>
-              <a:rPr lang="cs-CZ" sz="3000" dirty="0"/>
-              <a:t> </a:t>
-            </a:r>
-            <a:r>
-              <a:rPr lang="cs-CZ" sz="3000" dirty="0" err="1"/>
-              <a:t>control</a:t>
-            </a:r>
-            <a:r>
-              <a:rPr lang="cs-CZ" sz="3000" dirty="0"/>
-              <a:t> </a:t>
-            </a:r>
-            <a:r>
-              <a:rPr lang="cs-CZ" sz="3000" dirty="0" err="1"/>
-              <a:t>protocol</a:t>
-            </a:r>
-            <a:r>
-              <a:rPr lang="cs-CZ" sz="3000" dirty="0"/>
-              <a:t> – kontroluje úplnost</a:t>
-            </a:r>
-          </a:p>
-        </p:txBody>
-      </p:sp>
-      <p:pic>
-        <p:nvPicPr>
-          <p:cNvPr id="5" name="Obrázek 4"/>
-          <p:cNvPicPr>
-            <a:picLocks noChangeAspect="1"/>
-          </p:cNvPicPr>
-          <p:nvPr/>
-        </p:nvPicPr>
-        <p:blipFill>
-          <a:blip r:embed="rId2"/>
-          <a:stretch>
-            <a:fillRect/>
-          </a:stretch>
-        </p:blipFill>
-        <p:spPr>
-          <a:xfrm>
-            <a:off x="112397" y="0"/>
-            <a:ext cx="11967205" cy="6857998"/>
-          </a:xfrm>
-          <a:prstGeom prst="rect">
-            <a:avLst/>
-          </a:prstGeom>
-        </p:spPr>
-      </p:pic>
+              <a:rPr lang="cs-CZ" sz="4000" dirty="0" smtClean="0"/>
+              <a:t>UDP – nezajímá úplnost; kupř. </a:t>
+            </a:r>
+            <a:r>
+              <a:rPr lang="cs-CZ" sz="4000" dirty="0" err="1" smtClean="0"/>
+              <a:t>streamování</a:t>
+            </a:r>
+            <a:r>
+              <a:rPr lang="cs-CZ" sz="4000" dirty="0" smtClean="0"/>
+              <a:t> videa</a:t>
+            </a:r>
+            <a:endParaRPr lang="cs-CZ" sz="4000" dirty="0"/>
+          </a:p>
+        </p:txBody>
+      </p:sp>
     </p:spTree>
     <p:extLst>
       <p:ext uri="{BB962C8B-B14F-4D97-AF65-F5344CB8AC3E}">
-        <p14:creationId xmlns:p14="http://schemas.microsoft.com/office/powerpoint/2010/main" val="2612432715"/>
+        <p14:creationId xmlns:p14="http://schemas.microsoft.com/office/powerpoint/2010/main" xmlns="" val="2612432715"/>
       </p:ext>
     </p:extLst>
   </p:cSld>
   <p:clrMapOvr>
     <a:masterClrMapping/>
   </p:clrMapOvr>
+  <p:timing>
+    <p:tnLst>
+      <p:par>
+        <p:cTn id="1" dur="indefinite" restart="never" nodeType="tmRoot"/>
+      </p:par>
+    </p:tnLst>
+  </p:timing>
 </p:sld>
 </file>
 
@@ -4212,10 +4999,7 @@
           </a:bodyPr>
           <a:lstStyle/>
           <a:p>
-            <a:r>
-              <a:rPr lang="cs-CZ" dirty="0"/>
-              <a:t>Jak toto funguje dohromady?</a:t>
-            </a:r>
+            <a:endParaRPr lang="cs-CZ"/>
           </a:p>
         </p:txBody>
       </p:sp>
@@ -4231,82 +5015,40 @@
         </p:nvSpPr>
         <p:spPr/>
         <p:txBody>
-          <a:bodyPr>
-            <a:normAutofit/>
-          </a:bodyPr>
-          <a:lstStyle/>
-          <a:p>
-            <a:r>
-              <a:rPr lang="cs-CZ" sz="4000" dirty="0"/>
-              <a:t>Při propojení PC – server, komunikace pomocí protokolu</a:t>
-            </a:r>
-          </a:p>
-          <a:p>
-            <a:r>
-              <a:rPr lang="cs-CZ" sz="4000" dirty="0"/>
-              <a:t>Protokoly:</a:t>
-            </a:r>
-          </a:p>
-          <a:p>
-            <a:pPr lvl="1"/>
-            <a:r>
-              <a:rPr lang="cs-CZ" sz="3600" dirty="0"/>
-              <a:t>„http“</a:t>
-            </a:r>
-          </a:p>
-          <a:p>
-            <a:pPr lvl="2"/>
-            <a:r>
-              <a:rPr lang="cs-CZ" sz="3200" dirty="0"/>
-              <a:t>Nezabezpečený</a:t>
-            </a:r>
-          </a:p>
-          <a:p>
-            <a:pPr lvl="1"/>
-            <a:r>
-              <a:rPr lang="cs-CZ" sz="3600" dirty="0"/>
-              <a:t>„https“</a:t>
-            </a:r>
-          </a:p>
-          <a:p>
-            <a:pPr lvl="2"/>
-            <a:r>
-              <a:rPr lang="cs-CZ" sz="3200" dirty="0"/>
-              <a:t>Zabezpečený -šifrovaný</a:t>
-            </a:r>
+          <a:bodyPr/>
+          <a:lstStyle/>
+          <a:p>
+            <a:endParaRPr lang="cs-CZ"/>
           </a:p>
         </p:txBody>
       </p:sp>
       <p:pic>
         <p:nvPicPr>
-          <p:cNvPr id="7" name="Obrázek 6"/>
+          <p:cNvPr id="1026" name="Picture 2" descr="C:\Users\Iva\Downloads\main-qimg-ba89aae596ca11241e8b31c5c5c34a44.png"/>
           <p:cNvPicPr>
-            <a:picLocks noChangeAspect="1"/>
+            <a:picLocks noChangeAspect="1" noChangeArrowheads="1"/>
           </p:cNvPicPr>
           <p:nvPr/>
         </p:nvPicPr>
         <p:blipFill>
-          <a:blip r:embed="rId2"/>
+          <a:blip r:embed="rId2" cstate="print"/>
+          <a:srcRect/>
           <a:stretch>
             <a:fillRect/>
           </a:stretch>
         </p:blipFill>
-        <p:spPr>
-          <a:xfrm>
-            <a:off x="457200" y="613185"/>
-            <a:ext cx="11277600" cy="5710177"/>
+        <p:spPr bwMode="auto">
+          <a:xfrm>
+            <a:off x="-1627632" y="-694944"/>
+            <a:ext cx="13819632" cy="9144000"/>
           </a:xfrm>
           <a:prstGeom prst="rect">
             <a:avLst/>
           </a:prstGeom>
+          <a:noFill/>
         </p:spPr>
       </p:pic>
     </p:spTree>
-    <p:extLst>
-      <p:ext uri="{BB962C8B-B14F-4D97-AF65-F5344CB8AC3E}">
-        <p14:creationId xmlns:p14="http://schemas.microsoft.com/office/powerpoint/2010/main" val="3495810156"/>
-      </p:ext>
-    </p:extLst>
   </p:cSld>
   <p:clrMapOvr>
     <a:masterClrMapping/>
@@ -4355,90 +5097,111 @@
           </a:p>
         </p:txBody>
       </p:sp>
-      <p:pic>
-        <p:nvPicPr>
-          <p:cNvPr id="4" name="Zástupný symbol pro obsah 3"/>
-          <p:cNvPicPr>
-            <a:picLocks noGrp="1" noChangeAspect="1"/>
-          </p:cNvPicPr>
+      <p:sp>
+        <p:nvSpPr>
+          <p:cNvPr id="3" name="Zástupný symbol pro obsah 2"/>
+          <p:cNvSpPr>
+            <a:spLocks noGrp="1"/>
+          </p:cNvSpPr>
           <p:nvPr>
             <p:ph idx="1"/>
           </p:nvPr>
-        </p:nvPicPr>
-        <p:blipFill>
-          <a:blip r:embed="rId2">
-            <a:extLst>
-              <a:ext uri="{28A0092B-C50C-407E-A947-70E740481C1C}">
-                <a14:useLocalDpi xmlns:a14="http://schemas.microsoft.com/office/drawing/2010/main" val="0"/>
-              </a:ext>
-            </a:extLst>
-          </a:blip>
-          <a:stretch>
-            <a:fillRect/>
-          </a:stretch>
-        </p:blipFill>
-        <p:spPr>
-          <a:xfrm>
-            <a:off x="1" y="858882"/>
-            <a:ext cx="12192000" cy="645836"/>
-          </a:xfrm>
-        </p:spPr>
-      </p:pic>
-      <p:sp>
-        <p:nvSpPr>
-          <p:cNvPr id="5" name="TextovéPole 4"/>
-          <p:cNvSpPr txBox="1"/>
-          <p:nvPr/>
-        </p:nvSpPr>
-        <p:spPr>
-          <a:xfrm>
-            <a:off x="365760" y="1750413"/>
-            <a:ext cx="7296356" cy="3416320"/>
-          </a:xfrm>
-          <a:prstGeom prst="rect">
-            <a:avLst/>
-          </a:prstGeom>
-          <a:noFill/>
-        </p:spPr>
-        <p:txBody>
-          <a:bodyPr wrap="none" rtlCol="0">
-            <a:spAutoFit/>
+        </p:nvSpPr>
+        <p:spPr/>
+        <p:txBody>
+          <a:bodyPr>
+            <a:normAutofit/>
           </a:bodyPr>
           <a:lstStyle/>
           <a:p>
             <a:r>
-              <a:rPr lang="cs-CZ" sz="3600" dirty="0"/>
-              <a:t>1.) Metoda komunikace:</a:t>
-            </a:r>
-          </a:p>
-          <a:p>
-            <a:r>
-              <a:rPr lang="cs-CZ" sz="3600" dirty="0"/>
-              <a:t>	Get – Požadavek na soubor z URL</a:t>
-            </a:r>
-          </a:p>
-          <a:p>
-            <a:r>
-              <a:rPr lang="cs-CZ" sz="3600" dirty="0"/>
-              <a:t>	Set – Posílání informací</a:t>
-            </a:r>
-          </a:p>
-          <a:p>
-            <a:r>
-              <a:rPr lang="cs-CZ" sz="3600" dirty="0"/>
-              <a:t>	= Rozdíl je v ochraně uživatele</a:t>
-            </a:r>
-          </a:p>
-          <a:p>
-            <a:r>
-              <a:rPr lang="cs-CZ" sz="3600" dirty="0"/>
-              <a:t>2.) Další podstránka k serveru</a:t>
-            </a:r>
-          </a:p>
-          <a:p>
-            <a:r>
-              <a:rPr lang="cs-CZ" sz="3600" dirty="0"/>
-              <a:t>3.) Další argumenty</a:t>
+              <a:rPr lang="cs-CZ" sz="4000" dirty="0"/>
+              <a:t>Při propojení PC – server, komunikace pomocí </a:t>
+            </a:r>
+            <a:r>
+              <a:rPr lang="cs-CZ" sz="4000" dirty="0" smtClean="0"/>
+              <a:t>protokolu</a:t>
+            </a:r>
+            <a:endParaRPr lang="cs-CZ" sz="4000" dirty="0"/>
+          </a:p>
+          <a:p>
+            <a:r>
+              <a:rPr lang="cs-CZ" sz="4000" dirty="0"/>
+              <a:t>Protokoly:</a:t>
+            </a:r>
+          </a:p>
+          <a:p>
+            <a:pPr lvl="1"/>
+            <a:r>
+              <a:rPr lang="cs-CZ" sz="3600" dirty="0" smtClean="0"/>
+              <a:t>http (</a:t>
+            </a:r>
+            <a:r>
+              <a:rPr lang="cs-CZ" sz="3600" dirty="0" err="1" smtClean="0"/>
+              <a:t>HyperText</a:t>
+            </a:r>
+            <a:r>
+              <a:rPr lang="cs-CZ" sz="3600" dirty="0" smtClean="0"/>
+              <a:t> Transfer </a:t>
+            </a:r>
+            <a:r>
+              <a:rPr lang="cs-CZ" sz="3600" dirty="0" err="1" smtClean="0"/>
+              <a:t>Protocol</a:t>
+            </a:r>
+            <a:r>
+              <a:rPr lang="cs-CZ" sz="3600" dirty="0" smtClean="0"/>
+              <a:t>)</a:t>
+            </a:r>
+            <a:endParaRPr lang="cs-CZ" sz="3600" dirty="0"/>
+          </a:p>
+          <a:p>
+            <a:pPr lvl="2"/>
+            <a:r>
+              <a:rPr lang="cs-CZ" sz="3200" dirty="0"/>
+              <a:t>Nezabezpečený</a:t>
+            </a:r>
+          </a:p>
+          <a:p>
+            <a:pPr lvl="1"/>
+            <a:r>
+              <a:rPr lang="cs-CZ" sz="3600" dirty="0" err="1" smtClean="0"/>
+              <a:t>https</a:t>
+            </a:r>
+            <a:r>
+              <a:rPr lang="cs-CZ" sz="3600" dirty="0" smtClean="0"/>
+              <a:t> (</a:t>
+            </a:r>
+            <a:r>
+              <a:rPr lang="cs-CZ" sz="3600" dirty="0" err="1" smtClean="0"/>
+              <a:t>HyperText</a:t>
+            </a:r>
+            <a:r>
+              <a:rPr lang="cs-CZ" sz="3600" dirty="0" smtClean="0"/>
+              <a:t> Transfer </a:t>
+            </a:r>
+            <a:r>
+              <a:rPr lang="cs-CZ" sz="3600" dirty="0" err="1" smtClean="0"/>
+              <a:t>Protocol</a:t>
+            </a:r>
+            <a:r>
+              <a:rPr lang="cs-CZ" sz="3600" dirty="0" smtClean="0"/>
+              <a:t> </a:t>
+            </a:r>
+            <a:r>
+              <a:rPr lang="cs-CZ" sz="3600" dirty="0" err="1" smtClean="0"/>
+              <a:t>Secure</a:t>
+            </a:r>
+            <a:r>
+              <a:rPr lang="cs-CZ" sz="3600" dirty="0" smtClean="0"/>
+              <a:t>)</a:t>
+            </a:r>
+            <a:endParaRPr lang="cs-CZ" sz="3600" dirty="0"/>
+          </a:p>
+          <a:p>
+            <a:pPr lvl="2"/>
+            <a:r>
+              <a:rPr lang="cs-CZ" sz="3200" dirty="0"/>
+              <a:t>Zabezpečený -šifrovaný</a:t>
             </a:r>
           </a:p>
         </p:txBody>
@@ -4446,13 +5209,20 @@
     </p:spTree>
     <p:extLst>
       <p:ext uri="{BB962C8B-B14F-4D97-AF65-F5344CB8AC3E}">
-        <p14:creationId xmlns:p14="http://schemas.microsoft.com/office/powerpoint/2010/main" val="801024627"/>
+        <p14:creationId xmlns:p14="http://schemas.microsoft.com/office/powerpoint/2010/main" xmlns="" val="3495810156"/>
       </p:ext>
     </p:extLst>
   </p:cSld>
   <p:clrMapOvr>
     <a:masterClrMapping/>
   </p:clrMapOvr>
+  <p:timing>
+    <p:tnLst>
+      <p:par>
+        <p:cTn id="1" dur="indefinite" restart="never" nodeType="tmRoot"/>
+      </p:par>
+    </p:tnLst>
+  </p:timing>
 </p:sld>
 </file>
 
@@ -4499,7 +5269,7 @@
     </a:clrScheme>
     <a:fontScheme name="Kancelář">
       <a:majorFont>
-        <a:latin typeface="Calibri Light" panose="020F0302020204030204"/>
+        <a:latin typeface="Calibri Light"/>
         <a:ea typeface=""/>
         <a:cs typeface=""/>
         <a:font script="Jpan" typeface="ＭＳ Ｐゴシック"/>
@@ -4534,7 +5304,7 @@
         <a:font script="Geor" typeface="Sylfaen"/>
       </a:majorFont>
       <a:minorFont>
-        <a:latin typeface="Calibri" panose="020F0502020204030204"/>
+        <a:latin typeface="Calibri"/>
         <a:ea typeface=""/>
         <a:cs typeface=""/>
         <a:font script="Jpan" typeface="ＭＳ Ｐゴシック"/>
@@ -4711,7 +5481,7 @@
   <a:extraClrSchemeLst/>
   <a:extLst>
     <a:ext uri="{05A4C25C-085E-4340-85A3-A5531E510DB2}">
-      <thm15:themeFamily xmlns:thm15="http://schemas.microsoft.com/office/thememl/2012/main" name="Office Theme" id="{62F939B6-93AF-4DB8-9C6B-D6C7DFDC589F}" vid="{4A3C46E8-61CC-4603-A589-7422A47A8E4A}"/>
+      <thm15:themeFamily xmlns:thm15="http://schemas.microsoft.com/office/thememl/2012/main" xmlns="" name="Office Theme" id="{62F939B6-93AF-4DB8-9C6B-D6C7DFDC589F}" vid="{4A3C46E8-61CC-4603-A589-7422A47A8E4A}"/>
     </a:ext>
   </a:extLst>
 </a:theme>
